--- a/课程PPT/31.ES6新增数据类型和数据结构.pptx
+++ b/课程PPT/31.ES6新增数据类型和数据结构.pptx
@@ -5,26 +5,26 @@
     <p:sldMasterId id="2147483648" r:id="rId1"/>
   </p:sldMasterIdLst>
   <p:notesMasterIdLst>
-    <p:notesMasterId r:id="rId19"/>
+    <p:notesMasterId r:id="rId6"/>
   </p:notesMasterIdLst>
   <p:sldIdLst>
-    <p:sldId id="1258" r:id="rId2"/>
-    <p:sldId id="1259" r:id="rId3"/>
-    <p:sldId id="1376" r:id="rId4"/>
-    <p:sldId id="1382" r:id="rId5"/>
-    <p:sldId id="1383" r:id="rId6"/>
-    <p:sldId id="1384" r:id="rId7"/>
-    <p:sldId id="1390" r:id="rId8"/>
-    <p:sldId id="1391" r:id="rId9"/>
-    <p:sldId id="1397" r:id="rId10"/>
-    <p:sldId id="1392" r:id="rId11"/>
-    <p:sldId id="1393" r:id="rId12"/>
-    <p:sldId id="1398" r:id="rId13"/>
-    <p:sldId id="1395" r:id="rId14"/>
-    <p:sldId id="1396" r:id="rId15"/>
-    <p:sldId id="1262" r:id="rId16"/>
-    <p:sldId id="1253" r:id="rId17"/>
-    <p:sldId id="1254" r:id="rId18"/>
+    <p:sldId id="1258" r:id="rId3"/>
+    <p:sldId id="1259" r:id="rId4"/>
+    <p:sldId id="1376" r:id="rId5"/>
+    <p:sldId id="1382" r:id="rId7"/>
+    <p:sldId id="1383" r:id="rId8"/>
+    <p:sldId id="1384" r:id="rId9"/>
+    <p:sldId id="1390" r:id="rId10"/>
+    <p:sldId id="1391" r:id="rId11"/>
+    <p:sldId id="1397" r:id="rId12"/>
+    <p:sldId id="1392" r:id="rId13"/>
+    <p:sldId id="1393" r:id="rId14"/>
+    <p:sldId id="1398" r:id="rId15"/>
+    <p:sldId id="1395" r:id="rId16"/>
+    <p:sldId id="1396" r:id="rId17"/>
+    <p:sldId id="1262" r:id="rId18"/>
+    <p:sldId id="1253" r:id="rId19"/>
+    <p:sldId id="1254" r:id="rId20"/>
   </p:sldIdLst>
   <p:sldSz cx="12192000" cy="6858000"/>
   <p:notesSz cx="6797675" cy="9928225"/>
@@ -343,6 +343,7 @@
               <a:rPr lang="zh-CN" altLang="zh-CN" noProof="0" smtClean="0"/>
               <a:t>                                                   </a:t>
             </a:r>
+            <a:endParaRPr lang="zh-CN" altLang="zh-CN" noProof="0" smtClean="0"/>
           </a:p>
           <a:p>
             <a:pPr lvl="1"/>
@@ -350,6 +351,7 @@
               <a:rPr lang="zh-CN" altLang="zh-CN" noProof="0" smtClean="0"/>
               <a:t>               </a:t>
             </a:r>
+            <a:endParaRPr lang="zh-CN" altLang="zh-CN" noProof="0" smtClean="0"/>
           </a:p>
           <a:p>
             <a:pPr lvl="2"/>
@@ -357,6 +359,7 @@
               <a:rPr lang="zh-CN" altLang="zh-CN" noProof="0" smtClean="0"/>
               <a:t>                </a:t>
             </a:r>
+            <a:endParaRPr lang="zh-CN" altLang="zh-CN" noProof="0" smtClean="0"/>
           </a:p>
           <a:p>
             <a:pPr lvl="3"/>
@@ -364,6 +367,7 @@
               <a:rPr lang="zh-CN" altLang="zh-CN" noProof="0" smtClean="0"/>
               <a:t>                </a:t>
             </a:r>
+            <a:endParaRPr lang="zh-CN" altLang="zh-CN" noProof="0" smtClean="0"/>
           </a:p>
           <a:p>
             <a:pPr lvl="4"/>
@@ -371,6 +375,7 @@
               <a:rPr lang="zh-CN" altLang="zh-CN" noProof="0" smtClean="0"/>
               <a:t>                </a:t>
             </a:r>
+            <a:endParaRPr lang="zh-CN" altLang="zh-CN" noProof="0" smtClean="0"/>
           </a:p>
         </p:txBody>
       </p:sp>
@@ -453,18 +458,12 @@
           <a:p>
             <a:fld id="{D9AFD278-84AA-4CAA-9049-809825956FE0}" type="slidenum">
               <a:rPr lang="en-US" altLang="zh-CN"/>
-              <a:t>‹#›</a:t>
             </a:fld>
             <a:endParaRPr lang="zh-CN" altLang="zh-CN"/>
           </a:p>
         </p:txBody>
       </p:sp>
     </p:spTree>
-    <p:extLst>
-      <p:ext uri="{BB962C8B-B14F-4D97-AF65-F5344CB8AC3E}">
-        <p14:creationId xmlns:p14="http://schemas.microsoft.com/office/powerpoint/2010/main" val="3338190706"/>
-      </p:ext>
-    </p:extLst>
   </p:cSld>
   <p:clrMap bg1="lt1" tx1="dk1" bg2="lt2" tx2="dk2" accent1="accent1" accent2="accent2" accent3="accent3" accent4="accent4" accent5="accent5" accent6="accent6" hlink="hlink" folHlink="folHlink"/>
   <p:notesStyle>
@@ -656,6 +655,7 @@
               <a:rPr lang="zh-CN" altLang="en-US" dirty="0"/>
               <a:t>）实例，增加逻辑判断</a:t>
             </a:r>
+            <a:endParaRPr lang="zh-CN" altLang="en-US" dirty="0"/>
           </a:p>
         </p:txBody>
       </p:sp>
@@ -676,7 +676,6 @@
           <a:p>
             <a:fld id="{D9AFD278-84AA-4CAA-9049-809825956FE0}" type="slidenum">
               <a:rPr lang="en-US" altLang="zh-CN" smtClean="0"/>
-              <a:t>3</a:t>
             </a:fld>
             <a:endParaRPr lang="zh-CN" altLang="zh-CN"/>
           </a:p>
@@ -755,7 +754,6 @@
           <a:p>
             <a:fld id="{D9AFD278-84AA-4CAA-9049-809825956FE0}" type="slidenum">
               <a:rPr lang="en-US" altLang="zh-CN" smtClean="0"/>
-              <a:t>14</a:t>
             </a:fld>
             <a:endParaRPr lang="zh-CN" altLang="zh-CN"/>
           </a:p>
@@ -833,6 +831,7 @@
               <a:rPr lang="zh-CN" altLang="en-US" dirty="0"/>
               <a:t>）实例，增加逻辑判断</a:t>
             </a:r>
+            <a:endParaRPr lang="zh-CN" altLang="en-US" dirty="0"/>
           </a:p>
         </p:txBody>
       </p:sp>
@@ -853,7 +852,6 @@
           <a:p>
             <a:fld id="{D9AFD278-84AA-4CAA-9049-809825956FE0}" type="slidenum">
               <a:rPr lang="en-US" altLang="zh-CN" smtClean="0"/>
-              <a:t>16</a:t>
             </a:fld>
             <a:endParaRPr lang="zh-CN" altLang="zh-CN"/>
           </a:p>
@@ -931,6 +929,7 @@
               <a:rPr lang="zh-CN" altLang="en-US" dirty="0"/>
               <a:t>）实例，增加逻辑判断</a:t>
             </a:r>
+            <a:endParaRPr lang="zh-CN" altLang="en-US" dirty="0"/>
           </a:p>
         </p:txBody>
       </p:sp>
@@ -951,7 +950,6 @@
           <a:p>
             <a:fld id="{D9AFD278-84AA-4CAA-9049-809825956FE0}" type="slidenum">
               <a:rPr lang="en-US" altLang="zh-CN" smtClean="0"/>
-              <a:t>17</a:t>
             </a:fld>
             <a:endParaRPr lang="zh-CN" altLang="zh-CN"/>
           </a:p>
@@ -1029,6 +1027,7 @@
               <a:rPr lang="zh-CN" altLang="en-US" dirty="0"/>
               <a:t>）实例，增加逻辑判断</a:t>
             </a:r>
+            <a:endParaRPr lang="zh-CN" altLang="en-US" dirty="0"/>
           </a:p>
         </p:txBody>
       </p:sp>
@@ -1049,7 +1048,6 @@
           <a:p>
             <a:fld id="{D9AFD278-84AA-4CAA-9049-809825956FE0}" type="slidenum">
               <a:rPr lang="en-US" altLang="zh-CN" smtClean="0"/>
-              <a:t>4</a:t>
             </a:fld>
             <a:endParaRPr lang="zh-CN" altLang="zh-CN"/>
           </a:p>
@@ -1127,6 +1125,7 @@
               <a:rPr lang="zh-CN" altLang="en-US" dirty="0"/>
               <a:t>）实例，增加逻辑判断</a:t>
             </a:r>
+            <a:endParaRPr lang="zh-CN" altLang="en-US" dirty="0"/>
           </a:p>
         </p:txBody>
       </p:sp>
@@ -1147,7 +1146,6 @@
           <a:p>
             <a:fld id="{D9AFD278-84AA-4CAA-9049-809825956FE0}" type="slidenum">
               <a:rPr lang="en-US" altLang="zh-CN" smtClean="0"/>
-              <a:t>5</a:t>
             </a:fld>
             <a:endParaRPr lang="zh-CN" altLang="zh-CN"/>
           </a:p>
@@ -1225,6 +1223,7 @@
               <a:rPr lang="zh-CN" altLang="en-US" dirty="0"/>
               <a:t>）实例，增加逻辑判断</a:t>
             </a:r>
+            <a:endParaRPr lang="zh-CN" altLang="en-US" dirty="0"/>
           </a:p>
         </p:txBody>
       </p:sp>
@@ -1245,7 +1244,6 @@
           <a:p>
             <a:fld id="{D9AFD278-84AA-4CAA-9049-809825956FE0}" type="slidenum">
               <a:rPr lang="en-US" altLang="zh-CN" smtClean="0"/>
-              <a:t>6</a:t>
             </a:fld>
             <a:endParaRPr lang="zh-CN" altLang="zh-CN"/>
           </a:p>
@@ -1323,6 +1321,7 @@
               <a:rPr lang="zh-CN" altLang="en-US" dirty="0"/>
               <a:t>）实例，增加逻辑判断</a:t>
             </a:r>
+            <a:endParaRPr lang="zh-CN" altLang="en-US" dirty="0"/>
           </a:p>
         </p:txBody>
       </p:sp>
@@ -1343,7 +1342,6 @@
           <a:p>
             <a:fld id="{D9AFD278-84AA-4CAA-9049-809825956FE0}" type="slidenum">
               <a:rPr lang="en-US" altLang="zh-CN" smtClean="0"/>
-              <a:t>7</a:t>
             </a:fld>
             <a:endParaRPr lang="zh-CN" altLang="zh-CN"/>
           </a:p>
@@ -1421,6 +1419,7 @@
               <a:rPr lang="zh-CN" altLang="en-US" dirty="0"/>
               <a:t>）实例，增加逻辑判断</a:t>
             </a:r>
+            <a:endParaRPr lang="zh-CN" altLang="en-US" dirty="0"/>
           </a:p>
         </p:txBody>
       </p:sp>
@@ -1441,7 +1440,6 @@
           <a:p>
             <a:fld id="{D9AFD278-84AA-4CAA-9049-809825956FE0}" type="slidenum">
               <a:rPr lang="en-US" altLang="zh-CN" smtClean="0"/>
-              <a:t>8</a:t>
             </a:fld>
             <a:endParaRPr lang="zh-CN" altLang="zh-CN"/>
           </a:p>
@@ -1520,7 +1518,6 @@
           <a:p>
             <a:fld id="{D9AFD278-84AA-4CAA-9049-809825956FE0}" type="slidenum">
               <a:rPr lang="en-US" altLang="zh-CN" smtClean="0"/>
-              <a:t>10</a:t>
             </a:fld>
             <a:endParaRPr lang="zh-CN" altLang="zh-CN"/>
           </a:p>
@@ -1599,7 +1596,6 @@
           <a:p>
             <a:fld id="{D9AFD278-84AA-4CAA-9049-809825956FE0}" type="slidenum">
               <a:rPr lang="en-US" altLang="zh-CN" smtClean="0"/>
-              <a:t>11</a:t>
             </a:fld>
             <a:endParaRPr lang="zh-CN" altLang="zh-CN"/>
           </a:p>
@@ -1678,7 +1674,6 @@
           <a:p>
             <a:fld id="{D9AFD278-84AA-4CAA-9049-809825956FE0}" type="slidenum">
               <a:rPr lang="en-US" altLang="zh-CN" smtClean="0"/>
-              <a:t>13</a:t>
             </a:fld>
             <a:endParaRPr lang="zh-CN" altLang="zh-CN"/>
           </a:p>
@@ -1762,6 +1757,7 @@
               <a:rPr lang="zh-CN" altLang="en-US" dirty="0" smtClean="0"/>
               <a:t>单击此处编辑母版文本样式</a:t>
             </a:r>
+            <a:endParaRPr lang="zh-CN" altLang="en-US" dirty="0" smtClean="0"/>
           </a:p>
           <a:p>
             <a:pPr lvl="1"/>
@@ -1769,6 +1765,7 @@
               <a:rPr lang="zh-CN" altLang="en-US" dirty="0" smtClean="0"/>
               <a:t>第二级</a:t>
             </a:r>
+            <a:endParaRPr lang="zh-CN" altLang="en-US" dirty="0" smtClean="0"/>
           </a:p>
           <a:p>
             <a:pPr lvl="2"/>
@@ -1776,6 +1773,7 @@
               <a:rPr lang="zh-CN" altLang="en-US" dirty="0" smtClean="0"/>
               <a:t>第三级</a:t>
             </a:r>
+            <a:endParaRPr lang="zh-CN" altLang="en-US" dirty="0" smtClean="0"/>
           </a:p>
           <a:p>
             <a:pPr lvl="3"/>
@@ -1783,6 +1781,7 @@
               <a:rPr lang="zh-CN" altLang="en-US" dirty="0" smtClean="0"/>
               <a:t>第四级</a:t>
             </a:r>
+            <a:endParaRPr lang="zh-CN" altLang="en-US" dirty="0" smtClean="0"/>
           </a:p>
         </p:txBody>
       </p:sp>
@@ -1844,6 +1843,7 @@
               <a:rPr lang="zh-CN" altLang="en-US" dirty="0" smtClean="0"/>
               <a:t>单击此处编辑母版文本样式</a:t>
             </a:r>
+            <a:endParaRPr lang="zh-CN" altLang="en-US" dirty="0" smtClean="0"/>
           </a:p>
         </p:txBody>
       </p:sp>
@@ -1900,7 +1900,6 @@
           <a:p>
             <a:fld id="{2030C94F-1E7C-47E3-9C60-176A530B03BF}" type="slidenum">
               <a:rPr lang="en-US" altLang="zh-CN"/>
-              <a:t>‹#›</a:t>
             </a:fld>
             <a:endParaRPr lang="zh-CN" altLang="zh-CN" sz="3200" b="0"/>
           </a:p>
@@ -1991,6 +1990,7 @@
               <a:rPr lang="zh-CN" altLang="en-US" dirty="0" smtClean="0"/>
               <a:t>单击此处编辑母版文本样式</a:t>
             </a:r>
+            <a:endParaRPr lang="zh-CN" altLang="en-US" dirty="0" smtClean="0"/>
           </a:p>
           <a:p>
             <a:pPr lvl="1"/>
@@ -1998,6 +1998,7 @@
               <a:rPr lang="zh-CN" altLang="en-US" dirty="0" smtClean="0"/>
               <a:t>第二级</a:t>
             </a:r>
+            <a:endParaRPr lang="zh-CN" altLang="en-US" dirty="0" smtClean="0"/>
           </a:p>
           <a:p>
             <a:pPr lvl="2"/>
@@ -2005,6 +2006,7 @@
               <a:rPr lang="zh-CN" altLang="en-US" dirty="0" smtClean="0"/>
               <a:t>第三级</a:t>
             </a:r>
+            <a:endParaRPr lang="zh-CN" altLang="en-US" dirty="0" smtClean="0"/>
           </a:p>
           <a:p>
             <a:pPr lvl="3"/>
@@ -2012,6 +2014,7 @@
               <a:rPr lang="zh-CN" altLang="en-US" dirty="0" smtClean="0"/>
               <a:t>第四级</a:t>
             </a:r>
+            <a:endParaRPr lang="zh-CN" altLang="en-US" dirty="0" smtClean="0"/>
           </a:p>
         </p:txBody>
       </p:sp>
@@ -2069,6 +2072,7 @@
               <a:rPr lang="zh-CN" altLang="en-US" dirty="0" smtClean="0"/>
               <a:t>单击此处编辑母版文本样式</a:t>
             </a:r>
+            <a:endParaRPr lang="zh-CN" altLang="en-US" dirty="0" smtClean="0"/>
           </a:p>
         </p:txBody>
       </p:sp>
@@ -2150,6 +2154,7 @@
               <a:rPr lang="zh-CN" altLang="en-US" dirty="0" smtClean="0"/>
               <a:t>单击此处编辑母版文本样式</a:t>
             </a:r>
+            <a:endParaRPr lang="zh-CN" altLang="en-US" dirty="0" smtClean="0"/>
           </a:p>
           <a:p>
             <a:pPr lvl="1"/>
@@ -2157,6 +2162,7 @@
               <a:rPr lang="zh-CN" altLang="en-US" dirty="0" smtClean="0"/>
               <a:t>第二级</a:t>
             </a:r>
+            <a:endParaRPr lang="zh-CN" altLang="en-US" dirty="0" smtClean="0"/>
           </a:p>
           <a:p>
             <a:pPr lvl="2"/>
@@ -2164,6 +2170,7 @@
               <a:rPr lang="zh-CN" altLang="en-US" dirty="0" smtClean="0"/>
               <a:t>第三级</a:t>
             </a:r>
+            <a:endParaRPr lang="zh-CN" altLang="en-US" dirty="0" smtClean="0"/>
           </a:p>
           <a:p>
             <a:pPr lvl="3"/>
@@ -2171,6 +2178,7 @@
               <a:rPr lang="zh-CN" altLang="en-US" dirty="0" smtClean="0"/>
               <a:t>第四级</a:t>
             </a:r>
+            <a:endParaRPr lang="zh-CN" altLang="en-US" dirty="0" smtClean="0"/>
           </a:p>
         </p:txBody>
       </p:sp>
@@ -2228,6 +2236,7 @@
               <a:rPr lang="zh-CN" altLang="en-US" dirty="0" smtClean="0"/>
               <a:t>单击此处编辑母版文本样式</a:t>
             </a:r>
+            <a:endParaRPr lang="zh-CN" altLang="en-US" dirty="0" smtClean="0"/>
           </a:p>
         </p:txBody>
       </p:sp>
@@ -2309,6 +2318,7 @@
               <a:rPr lang="zh-CN" altLang="en-US" dirty="0" smtClean="0"/>
               <a:t>单击此处编辑母版文本样式</a:t>
             </a:r>
+            <a:endParaRPr lang="zh-CN" altLang="en-US" dirty="0" smtClean="0"/>
           </a:p>
           <a:p>
             <a:pPr lvl="1"/>
@@ -2316,6 +2326,7 @@
               <a:rPr lang="zh-CN" altLang="en-US" dirty="0" smtClean="0"/>
               <a:t>第二级</a:t>
             </a:r>
+            <a:endParaRPr lang="zh-CN" altLang="en-US" dirty="0" smtClean="0"/>
           </a:p>
           <a:p>
             <a:pPr lvl="2"/>
@@ -2323,6 +2334,7 @@
               <a:rPr lang="zh-CN" altLang="en-US" dirty="0" smtClean="0"/>
               <a:t>第三级</a:t>
             </a:r>
+            <a:endParaRPr lang="zh-CN" altLang="en-US" dirty="0" smtClean="0"/>
           </a:p>
           <a:p>
             <a:pPr lvl="3"/>
@@ -2330,6 +2342,7 @@
               <a:rPr lang="zh-CN" altLang="en-US" dirty="0" smtClean="0"/>
               <a:t>第四级</a:t>
             </a:r>
+            <a:endParaRPr lang="zh-CN" altLang="en-US" dirty="0" smtClean="0"/>
           </a:p>
         </p:txBody>
       </p:sp>
@@ -2387,6 +2400,7 @@
               <a:rPr lang="zh-CN" altLang="en-US" dirty="0" smtClean="0"/>
               <a:t>单击此处编辑母版文本样式</a:t>
             </a:r>
+            <a:endParaRPr lang="zh-CN" altLang="en-US" dirty="0" smtClean="0"/>
           </a:p>
         </p:txBody>
       </p:sp>
@@ -2468,6 +2482,7 @@
               <a:rPr lang="zh-CN" altLang="en-US" dirty="0" smtClean="0"/>
               <a:t>单击此处编辑母版文本样式</a:t>
             </a:r>
+            <a:endParaRPr lang="zh-CN" altLang="en-US" dirty="0" smtClean="0"/>
           </a:p>
           <a:p>
             <a:pPr lvl="1"/>
@@ -2475,6 +2490,7 @@
               <a:rPr lang="zh-CN" altLang="en-US" dirty="0" smtClean="0"/>
               <a:t>第二级</a:t>
             </a:r>
+            <a:endParaRPr lang="zh-CN" altLang="en-US" dirty="0" smtClean="0"/>
           </a:p>
           <a:p>
             <a:pPr lvl="2"/>
@@ -2482,6 +2498,7 @@
               <a:rPr lang="zh-CN" altLang="en-US" dirty="0" smtClean="0"/>
               <a:t>第三级</a:t>
             </a:r>
+            <a:endParaRPr lang="zh-CN" altLang="en-US" dirty="0" smtClean="0"/>
           </a:p>
           <a:p>
             <a:pPr lvl="3"/>
@@ -2489,6 +2506,7 @@
               <a:rPr lang="zh-CN" altLang="en-US" dirty="0" smtClean="0"/>
               <a:t>第四级</a:t>
             </a:r>
+            <a:endParaRPr lang="zh-CN" altLang="en-US" dirty="0" smtClean="0"/>
           </a:p>
         </p:txBody>
       </p:sp>
@@ -2546,6 +2564,7 @@
               <a:rPr lang="zh-CN" altLang="en-US" dirty="0" smtClean="0"/>
               <a:t>单击此处编辑母版文本样式</a:t>
             </a:r>
+            <a:endParaRPr lang="zh-CN" altLang="en-US" dirty="0" smtClean="0"/>
           </a:p>
         </p:txBody>
       </p:sp>
@@ -2627,6 +2646,7 @@
               <a:rPr lang="zh-CN" altLang="en-US" dirty="0" smtClean="0"/>
               <a:t>单击此处编辑母版文本样式</a:t>
             </a:r>
+            <a:endParaRPr lang="zh-CN" altLang="en-US" dirty="0" smtClean="0"/>
           </a:p>
           <a:p>
             <a:pPr lvl="1"/>
@@ -2634,6 +2654,7 @@
               <a:rPr lang="zh-CN" altLang="en-US" dirty="0" smtClean="0"/>
               <a:t>第二级</a:t>
             </a:r>
+            <a:endParaRPr lang="zh-CN" altLang="en-US" dirty="0" smtClean="0"/>
           </a:p>
           <a:p>
             <a:pPr lvl="2"/>
@@ -2641,6 +2662,7 @@
               <a:rPr lang="zh-CN" altLang="en-US" dirty="0" smtClean="0"/>
               <a:t>第三级</a:t>
             </a:r>
+            <a:endParaRPr lang="zh-CN" altLang="en-US" dirty="0" smtClean="0"/>
           </a:p>
           <a:p>
             <a:pPr lvl="3"/>
@@ -2648,6 +2670,7 @@
               <a:rPr lang="zh-CN" altLang="en-US" dirty="0" smtClean="0"/>
               <a:t>第四级</a:t>
             </a:r>
+            <a:endParaRPr lang="zh-CN" altLang="en-US" dirty="0" smtClean="0"/>
           </a:p>
         </p:txBody>
       </p:sp>
@@ -2705,6 +2728,7 @@
               <a:rPr lang="zh-CN" altLang="en-US" dirty="0" smtClean="0"/>
               <a:t>单击此处编辑母版文本样式</a:t>
             </a:r>
+            <a:endParaRPr lang="zh-CN" altLang="en-US" dirty="0" smtClean="0"/>
           </a:p>
         </p:txBody>
       </p:sp>
@@ -2786,6 +2810,7 @@
               <a:rPr lang="zh-CN" altLang="en-US" dirty="0" smtClean="0"/>
               <a:t>单击此处编辑母版文本样式</a:t>
             </a:r>
+            <a:endParaRPr lang="zh-CN" altLang="en-US" dirty="0" smtClean="0"/>
           </a:p>
           <a:p>
             <a:pPr lvl="1"/>
@@ -2793,6 +2818,7 @@
               <a:rPr lang="zh-CN" altLang="en-US" dirty="0" smtClean="0"/>
               <a:t>第二级</a:t>
             </a:r>
+            <a:endParaRPr lang="zh-CN" altLang="en-US" dirty="0" smtClean="0"/>
           </a:p>
           <a:p>
             <a:pPr lvl="2"/>
@@ -2800,6 +2826,7 @@
               <a:rPr lang="zh-CN" altLang="en-US" dirty="0" smtClean="0"/>
               <a:t>第三级</a:t>
             </a:r>
+            <a:endParaRPr lang="zh-CN" altLang="en-US" dirty="0" smtClean="0"/>
           </a:p>
           <a:p>
             <a:pPr lvl="3"/>
@@ -2807,6 +2834,7 @@
               <a:rPr lang="zh-CN" altLang="en-US" dirty="0" smtClean="0"/>
               <a:t>第四级</a:t>
             </a:r>
+            <a:endParaRPr lang="zh-CN" altLang="en-US" dirty="0" smtClean="0"/>
           </a:p>
         </p:txBody>
       </p:sp>
@@ -2864,6 +2892,7 @@
               <a:rPr lang="zh-CN" altLang="en-US" dirty="0" smtClean="0"/>
               <a:t>单击此处编辑母版文本样式</a:t>
             </a:r>
+            <a:endParaRPr lang="zh-CN" altLang="en-US" dirty="0" smtClean="0"/>
           </a:p>
         </p:txBody>
       </p:sp>
@@ -2957,6 +2986,7 @@
               <a:rPr lang="zh-CN" altLang="en-US" dirty="0" smtClean="0"/>
               <a:t>单击此处编辑母版文本样式</a:t>
             </a:r>
+            <a:endParaRPr lang="zh-CN" altLang="en-US" dirty="0" smtClean="0"/>
           </a:p>
           <a:p>
             <a:pPr lvl="1"/>
@@ -2964,6 +2994,7 @@
               <a:rPr lang="zh-CN" altLang="en-US" dirty="0" smtClean="0"/>
               <a:t>第二级</a:t>
             </a:r>
+            <a:endParaRPr lang="zh-CN" altLang="en-US" dirty="0" smtClean="0"/>
           </a:p>
           <a:p>
             <a:pPr lvl="2"/>
@@ -2971,6 +3002,7 @@
               <a:rPr lang="zh-CN" altLang="en-US" dirty="0" smtClean="0"/>
               <a:t>第三级</a:t>
             </a:r>
+            <a:endParaRPr lang="zh-CN" altLang="en-US" dirty="0" smtClean="0"/>
           </a:p>
           <a:p>
             <a:pPr lvl="3"/>
@@ -2978,6 +3010,7 @@
               <a:rPr lang="zh-CN" altLang="en-US" dirty="0" smtClean="0"/>
               <a:t>第四级</a:t>
             </a:r>
+            <a:endParaRPr lang="zh-CN" altLang="en-US" dirty="0" smtClean="0"/>
           </a:p>
         </p:txBody>
       </p:sp>
@@ -3039,6 +3072,7 @@
               <a:rPr lang="zh-CN" altLang="en-US" dirty="0" smtClean="0"/>
               <a:t>单击此处编辑母版文本样式</a:t>
             </a:r>
+            <a:endParaRPr lang="zh-CN" altLang="en-US" dirty="0" smtClean="0"/>
           </a:p>
         </p:txBody>
       </p:sp>
@@ -3063,7 +3097,7 @@
     <p:bg bwMode="auto">
       <p:bgPr>
         <a:blipFill dpi="0" rotWithShape="0">
-          <a:blip r:embed="rId11"/>
+          <a:blip r:embed="rId10"/>
           <a:srcRect/>
           <a:stretch>
             <a:fillRect/>
@@ -3122,7 +3156,6 @@
           <a:p>
             <a:fld id="{43A45880-9E2A-43E4-955C-AEB11E14255E}" type="slidenum">
               <a:rPr lang="en-US" altLang="zh-CN"/>
-              <a:t>‹#›</a:t>
             </a:fld>
             <a:endParaRPr lang="zh-CN" altLang="zh-CN"/>
           </a:p>
@@ -3137,7 +3170,7 @@
           <p:nvPr/>
         </p:nvPicPr>
         <p:blipFill>
-          <a:blip r:embed="rId12">
+          <a:blip r:embed="rId11">
             <a:extLst>
               <a:ext uri="{28A0092B-C50C-407E-A947-70E740481C1C}">
                 <a14:useLocalDpi xmlns:a14="http://schemas.microsoft.com/office/drawing/2010/main" val="0"/>
@@ -3191,7 +3224,7 @@
           <p:nvPr/>
         </p:nvPicPr>
         <p:blipFill>
-          <a:blip r:embed="rId13">
+          <a:blip r:embed="rId12">
             <a:extLst>
               <a:ext uri="{28A0092B-C50C-407E-A947-70E740481C1C}">
                 <a14:useLocalDpi xmlns:a14="http://schemas.microsoft.com/office/drawing/2010/main" val="0"/>
@@ -3704,7 +3737,7 @@
           <p:nvPr/>
         </p:nvPicPr>
         <p:blipFill>
-          <a:blip r:embed="rId2">
+          <a:blip r:embed="rId1">
             <a:extLst>
               <a:ext uri="{28A0092B-C50C-407E-A947-70E740481C1C}">
                 <a14:useLocalDpi xmlns:a14="http://schemas.microsoft.com/office/drawing/2010/main" val="0"/>
@@ -3987,6 +4020,7 @@
               <a:rPr lang="zh-CN"/>
               <a:t>新增数据类型和数据结构</a:t>
             </a:r>
+            <a:endParaRPr lang="zh-CN"/>
           </a:p>
         </p:txBody>
       </p:sp>
@@ -3999,7 +4033,7 @@
           <p:nvPr/>
         </p:nvPicPr>
         <p:blipFill>
-          <a:blip r:embed="rId3">
+          <a:blip r:embed="rId2">
             <a:extLst>
               <a:ext uri="{28A0092B-C50C-407E-A947-70E740481C1C}">
                 <a14:useLocalDpi xmlns:a14="http://schemas.microsoft.com/office/drawing/2010/main" val="0"/>
@@ -4232,6 +4266,11 @@
               </a:rPr>
               <a:t>- 通过add方法向Set结构加入成员，Set结构不会添加重复的值</a:t>
             </a:r>
+            <a:endParaRPr kumimoji="0" lang="en-US" altLang="zh-CN" sz="2000" dirty="0" smtClean="0">
+              <a:solidFill>
+                <a:schemeClr val="tx1"/>
+              </a:solidFill>
+            </a:endParaRPr>
           </a:p>
           <a:p>
             <a:pPr eaLnBrk="1" hangingPunct="1">
@@ -4352,6 +4391,13 @@
               </a:rPr>
               <a:t>实例</a:t>
             </a:r>
+            <a:endParaRPr lang="zh-CN" altLang="en-US" sz="2200">
+              <a:solidFill>
+                <a:srgbClr val="FF0000"/>
+              </a:solidFill>
+              <a:latin typeface="+mn-ea"/>
+              <a:ea typeface="+mn-ea"/>
+            </a:endParaRPr>
           </a:p>
         </p:txBody>
       </p:sp>
@@ -4364,7 +4410,7 @@
           <p:nvPr/>
         </p:nvPicPr>
         <p:blipFill>
-          <a:blip r:embed="rId3"/>
+          <a:blip r:embed="rId1"/>
           <a:stretch>
             <a:fillRect/>
           </a:stretch>
@@ -4774,14 +4820,6 @@
               </a:rPr>
               <a:t>的原型属性和方法</a:t>
             </a:r>
-            <a:r>
-              <a:rPr kumimoji="0" lang="en-US" altLang="zh-CN" sz="3200" dirty="0" smtClean="0">
-                <a:solidFill>
-                  <a:schemeClr val="tx1"/>
-                </a:solidFill>
-              </a:rPr>
-              <a:t/>
-            </a:r>
             <a:br>
               <a:rPr kumimoji="0" lang="en-US" altLang="zh-CN" sz="3200" dirty="0" smtClean="0">
                 <a:solidFill>
@@ -4805,14 +4843,6 @@
               </a:rPr>
               <a:t>、Set.prototype.size</a:t>
             </a:r>
-            <a:r>
-              <a:rPr kumimoji="0" lang="en-US" altLang="zh-CN" sz="2000" dirty="0" smtClean="0">
-                <a:solidFill>
-                  <a:schemeClr val="tx1"/>
-                </a:solidFill>
-              </a:rPr>
-              <a:t/>
-            </a:r>
             <a:br>
               <a:rPr kumimoji="0" lang="en-US" altLang="zh-CN" sz="2000" dirty="0" smtClean="0">
                 <a:solidFill>
@@ -4854,14 +4884,6 @@
                 <a:sym typeface="+mn-ea"/>
               </a:rPr>
               <a:t>delete(value)</a:t>
-            </a:r>
-            <a:r>
-              <a:rPr kumimoji="0" lang="zh-CN" altLang="en-US" sz="2000" dirty="0" smtClean="0">
-                <a:solidFill>
-                  <a:schemeClr val="tx1"/>
-                </a:solidFill>
-              </a:rPr>
-              <a:t/>
             </a:r>
             <a:br>
               <a:rPr kumimoji="0" lang="zh-CN" altLang="en-US" sz="2000" dirty="0" smtClean="0">
@@ -5063,6 +5085,12 @@
               </a:rPr>
               <a:t>（成员只能是对象且都是弱引用，参阅回收机制）</a:t>
             </a:r>
+            <a:endParaRPr kumimoji="0" lang="zh-CN" altLang="en-US" sz="3200" dirty="0" smtClean="0">
+              <a:solidFill>
+                <a:schemeClr val="tx1"/>
+              </a:solidFill>
+              <a:sym typeface="+mn-ea"/>
+            </a:endParaRPr>
           </a:p>
           <a:p>
             <a:pPr eaLnBrk="1" hangingPunct="1">
@@ -5183,6 +5211,13 @@
               </a:rPr>
               <a:t>相关的属性和方法</a:t>
             </a:r>
+            <a:endParaRPr lang="zh-CN" altLang="en-US" sz="2200">
+              <a:solidFill>
+                <a:srgbClr val="FF0000"/>
+              </a:solidFill>
+              <a:latin typeface="+mn-ea"/>
+              <a:ea typeface="+mn-ea"/>
+            </a:endParaRPr>
           </a:p>
         </p:txBody>
       </p:sp>
@@ -5195,7 +5230,7 @@
           <p:nvPr/>
         </p:nvPicPr>
         <p:blipFill>
-          <a:blip r:embed="rId3"/>
+          <a:blip r:embed="rId1"/>
           <a:stretch>
             <a:fillRect/>
           </a:stretch>
@@ -5833,6 +5868,11 @@
               </a:rPr>
               <a:t>）</a:t>
             </a:r>
+            <a:endParaRPr lang="zh-CN" altLang="en-US" sz="2800" b="1">
+              <a:solidFill>
+                <a:schemeClr val="tx1"/>
+              </a:solidFill>
+            </a:endParaRPr>
           </a:p>
           <a:p>
             <a:pPr algn="l">
@@ -5878,6 +5918,12 @@
               </a:rPr>
               <a:t>）</a:t>
             </a:r>
+            <a:endParaRPr lang="zh-CN" altLang="en-US" sz="2800" b="1">
+              <a:solidFill>
+                <a:schemeClr val="tx1"/>
+              </a:solidFill>
+              <a:sym typeface="+mn-ea"/>
+            </a:endParaRPr>
           </a:p>
           <a:p>
             <a:pPr algn="l">
@@ -5923,6 +5969,12 @@
               </a:rPr>
               <a:t>）</a:t>
             </a:r>
+            <a:endParaRPr lang="zh-CN" altLang="en-US" sz="2800" b="1">
+              <a:solidFill>
+                <a:srgbClr val="FF0000"/>
+              </a:solidFill>
+              <a:sym typeface="+mn-ea"/>
+            </a:endParaRPr>
           </a:p>
         </p:txBody>
       </p:sp>
@@ -6288,7 +6340,7 @@
                   <a:schemeClr val="tx1"/>
                 </a:solidFill>
               </a:rPr>
-              <a:t>- Map也可以接受一个数组作为参数</a:t>
+              <a:t>- </a:t>
             </a:r>
             <a:r>
               <a:rPr kumimoji="0" lang="zh-CN" altLang="en-US" sz="2000" dirty="0" smtClean="0">
@@ -6296,8 +6348,77 @@
                   <a:schemeClr val="tx1"/>
                 </a:solidFill>
               </a:rPr>
-              <a:t>，组的成员是一个个表示键值对的数组</a:t>
-            </a:r>
+              <a:t>创建</a:t>
+            </a:r>
+            <a:r>
+              <a:rPr kumimoji="0" lang="en-US" altLang="zh-CN" sz="2000" dirty="0" smtClean="0">
+                <a:solidFill>
+                  <a:schemeClr val="tx1"/>
+                </a:solidFill>
+              </a:rPr>
+              <a:t>Map</a:t>
+            </a:r>
+            <a:r>
+              <a:rPr kumimoji="0" lang="zh-CN" altLang="en-US" sz="2000" dirty="0" smtClean="0">
+                <a:solidFill>
+                  <a:schemeClr val="tx1"/>
+                </a:solidFill>
+              </a:rPr>
+              <a:t>时</a:t>
+            </a:r>
+            <a:r>
+              <a:rPr kumimoji="0" lang="en-US" altLang="zh-CN" sz="2000" dirty="0" smtClean="0">
+                <a:solidFill>
+                  <a:schemeClr val="tx1"/>
+                </a:solidFill>
+              </a:rPr>
+              <a:t>也可以</a:t>
+            </a:r>
+            <a:r>
+              <a:rPr kumimoji="0" lang="zh-CN" altLang="en-US" sz="2000" dirty="0" smtClean="0">
+                <a:solidFill>
+                  <a:schemeClr val="tx1"/>
+                </a:solidFill>
+              </a:rPr>
+              <a:t>使用</a:t>
+            </a:r>
+            <a:r>
+              <a:rPr kumimoji="0" lang="en-US" altLang="zh-CN" sz="2000" dirty="0" smtClean="0">
+                <a:solidFill>
+                  <a:schemeClr val="tx1"/>
+                </a:solidFill>
+              </a:rPr>
+              <a:t>一个数组作为</a:t>
+            </a:r>
+            <a:r>
+              <a:rPr kumimoji="0" lang="zh-CN" altLang="en-US" sz="2000" dirty="0" smtClean="0">
+                <a:solidFill>
+                  <a:schemeClr val="tx1"/>
+                </a:solidFill>
+              </a:rPr>
+              <a:t>构造</a:t>
+            </a:r>
+            <a:r>
+              <a:rPr kumimoji="0" lang="en-US" altLang="zh-CN" sz="2000" dirty="0" smtClean="0">
+                <a:solidFill>
+                  <a:schemeClr val="tx1"/>
+                </a:solidFill>
+              </a:rPr>
+              <a:t>参数</a:t>
+            </a:r>
+            <a:r>
+              <a:rPr kumimoji="0" lang="zh-CN" altLang="en-US" sz="2000" dirty="0" smtClean="0">
+                <a:solidFill>
+                  <a:schemeClr val="tx1"/>
+                </a:solidFill>
+              </a:rPr>
+              <a:t>，此数组的每个元素是键值对的数组</a:t>
+            </a:r>
+            <a:endParaRPr kumimoji="0" lang="zh-CN" altLang="en-US" sz="2000" dirty="0" smtClean="0">
+              <a:solidFill>
+                <a:schemeClr val="tx1"/>
+              </a:solidFill>
+            </a:endParaRPr>
           </a:p>
           <a:p>
             <a:pPr eaLnBrk="1" hangingPunct="1">
@@ -6429,6 +6550,13 @@
               </a:rPr>
               <a:t>实例</a:t>
             </a:r>
+            <a:endParaRPr lang="zh-CN" altLang="en-US" sz="2200">
+              <a:solidFill>
+                <a:srgbClr val="FF0000"/>
+              </a:solidFill>
+              <a:latin typeface="+mn-ea"/>
+              <a:ea typeface="+mn-ea"/>
+            </a:endParaRPr>
           </a:p>
         </p:txBody>
       </p:sp>
@@ -6441,7 +6569,7 @@
           <p:nvPr/>
         </p:nvPicPr>
         <p:blipFill>
-          <a:blip r:embed="rId3"/>
+          <a:blip r:embed="rId1"/>
           <a:stretch>
             <a:fillRect/>
           </a:stretch>
@@ -6465,7 +6593,7 @@
           <p:nvPr/>
         </p:nvPicPr>
         <p:blipFill>
-          <a:blip r:embed="rId4"/>
+          <a:blip r:embed="rId2"/>
           <a:stretch>
             <a:fillRect/>
           </a:stretch>
@@ -6966,14 +7094,6 @@
               </a:rPr>
               <a:t>的原型属性和方法</a:t>
             </a:r>
-            <a:r>
-              <a:rPr kumimoji="0" lang="en-US" altLang="zh-CN" sz="3200" dirty="0" smtClean="0">
-                <a:solidFill>
-                  <a:schemeClr val="tx1"/>
-                </a:solidFill>
-              </a:rPr>
-              <a:t/>
-            </a:r>
             <a:br>
               <a:rPr kumimoji="0" lang="en-US" altLang="zh-CN" sz="3200" dirty="0" smtClean="0">
                 <a:solidFill>
@@ -7059,14 +7179,6 @@
                 <a:sym typeface="+mn-ea"/>
               </a:rPr>
               <a:t>get(key)</a:t>
-            </a:r>
-            <a:r>
-              <a:rPr kumimoji="0" lang="zh-CN" altLang="en-US" sz="2000" dirty="0" smtClean="0">
-                <a:solidFill>
-                  <a:schemeClr val="tx1"/>
-                </a:solidFill>
-              </a:rPr>
-              <a:t/>
             </a:r>
             <a:br>
               <a:rPr kumimoji="0" lang="zh-CN" altLang="en-US" sz="2000" dirty="0" smtClean="0">
@@ -7353,6 +7465,12 @@
               </a:rPr>
               <a:t>（只接受对象作为键名，弱引用）</a:t>
             </a:r>
+            <a:endParaRPr kumimoji="0" lang="zh-CN" altLang="en-US" sz="3200" dirty="0" smtClean="0">
+              <a:solidFill>
+                <a:schemeClr val="tx1"/>
+              </a:solidFill>
+              <a:sym typeface="+mn-ea"/>
+            </a:endParaRPr>
           </a:p>
           <a:p>
             <a:pPr eaLnBrk="1" hangingPunct="1">
@@ -7494,7 +7612,7 @@
           <p:nvPr/>
         </p:nvPicPr>
         <p:blipFill>
-          <a:blip r:embed="rId3"/>
+          <a:blip r:embed="rId1"/>
           <a:stretch>
             <a:fillRect/>
           </a:stretch>
@@ -7955,7 +8073,7 @@
           <p:nvPr/>
         </p:nvPicPr>
         <p:blipFill>
-          <a:blip r:embed="rId2">
+          <a:blip r:embed="rId1">
             <a:extLst>
               <a:ext uri="{28A0092B-C50C-407E-A947-70E740481C1C}">
                 <a14:useLocalDpi xmlns:a14="http://schemas.microsoft.com/office/drawing/2010/main" val="0"/>
@@ -8073,7 +8191,7 @@
           <p:nvPr/>
         </p:nvPicPr>
         <p:blipFill>
-          <a:blip r:embed="rId3">
+          <a:blip r:embed="rId2">
             <a:extLst>
               <a:ext uri="{28A0092B-C50C-407E-A947-70E740481C1C}">
                 <a14:useLocalDpi xmlns:a14="http://schemas.microsoft.com/office/drawing/2010/main" val="0"/>
@@ -8203,6 +8321,11 @@
               </a:rPr>
               <a:t>你是如何遍历数组中的元素的？</a:t>
             </a:r>
+            <a:endParaRPr kumimoji="0" lang="zh-CN" sz="3200">
+              <a:solidFill>
+                <a:schemeClr val="tx1"/>
+              </a:solidFill>
+            </a:endParaRPr>
           </a:p>
           <a:p>
             <a:pPr>
@@ -8246,15 +8369,6 @@
               </a:rPr>
               <a:t>，可能如下这么写</a:t>
             </a:r>
-            <a:r>
-              <a:rPr sz="3200">
-                <a:solidFill>
-                  <a:schemeClr val="tx1"/>
-                </a:solidFill>
-                <a:sym typeface="+mn-ea"/>
-              </a:rPr>
-              <a:t/>
-            </a:r>
             <a:br>
               <a:rPr sz="3200">
                 <a:solidFill>
@@ -8315,6 +8429,12 @@
               </a:rPr>
               <a:t>}</a:t>
             </a:r>
+            <a:endParaRPr kumimoji="0" lang="zh-CN" altLang="en-US" sz="2000" dirty="0" smtClean="0">
+              <a:solidFill>
+                <a:schemeClr val="tx1"/>
+              </a:solidFill>
+              <a:sym typeface="+mn-ea"/>
+            </a:endParaRPr>
           </a:p>
           <a:p>
             <a:pPr>
@@ -8331,15 +8451,6 @@
               </a:rPr>
               <a:t>从 ES5 开始，你可能使用内置的 forEach 方法</a:t>
             </a:r>
-            <a:r>
-              <a:rPr kumimoji="0" lang="en-US" altLang="zh-CN" sz="2000" dirty="0" smtClean="0">
-                <a:solidFill>
-                  <a:schemeClr val="tx1"/>
-                </a:solidFill>
-                <a:sym typeface="+mn-ea"/>
-              </a:rPr>
-              <a:t/>
-            </a:r>
             <a:br>
               <a:rPr kumimoji="0" lang="en-US" altLang="zh-CN" sz="2000" dirty="0" smtClean="0">
                 <a:solidFill>
@@ -8426,6 +8537,12 @@
               </a:rPr>
               <a:t>不能通过使用 break 语句退出循环或者使用 return 语句从封闭函数中返回</a:t>
             </a:r>
+            <a:endParaRPr kumimoji="0" lang="en-US" altLang="zh-CN" sz="2000" dirty="0" smtClean="0">
+              <a:solidFill>
+                <a:schemeClr val="tx1"/>
+              </a:solidFill>
+              <a:sym typeface="+mn-ea"/>
+            </a:endParaRPr>
           </a:p>
           <a:p>
             <a:pPr eaLnBrk="1" hangingPunct="1">
@@ -8491,6 +8608,9 @@
               </a:rPr>
               <a:t>for...of</a:t>
             </a:r>
+            <a:endParaRPr kumimoji="0" lang="en-US" altLang="zh-CN" dirty="0">
+              <a:sym typeface="+mn-ea"/>
+            </a:endParaRPr>
           </a:p>
         </p:txBody>
       </p:sp>
@@ -8939,15 +9059,6 @@
               </a:rPr>
               <a:t>会如何</a:t>
             </a:r>
-            <a:r>
-              <a:rPr lang="zh-CN" sz="2000">
-                <a:solidFill>
-                  <a:schemeClr val="tx1"/>
-                </a:solidFill>
-                <a:sym typeface="+mn-ea"/>
-              </a:rPr>
-              <a:t/>
-            </a:r>
             <a:br>
               <a:rPr lang="zh-CN" sz="2000">
                 <a:solidFill>
@@ -9025,15 +9136,6 @@
               </a:rPr>
               <a:t>可用来遍历对象</a:t>
             </a:r>
-            <a:r>
-              <a:rPr lang="zh-CN" sz="2000">
-                <a:solidFill>
-                  <a:schemeClr val="tx1"/>
-                </a:solidFill>
-                <a:sym typeface="+mn-ea"/>
-              </a:rPr>
-              <a:t/>
-            </a:r>
             <a:br>
               <a:rPr lang="zh-CN" sz="2000">
                 <a:solidFill>
@@ -9165,6 +9267,12 @@
               </a:rPr>
               <a:t>- </a:t>
             </a:r>
+            <a:endParaRPr lang="en-US" altLang="zh-CN" sz="2000">
+              <a:solidFill>
+                <a:schemeClr val="tx1"/>
+              </a:solidFill>
+              <a:sym typeface="+mn-ea"/>
+            </a:endParaRPr>
           </a:p>
           <a:p>
             <a:pPr eaLnBrk="1" hangingPunct="1">
@@ -9566,6 +9674,11 @@
               </a:rPr>
               <a:t>）</a:t>
             </a:r>
+            <a:endParaRPr lang="zh-CN" altLang="en-US" sz="2800" b="1">
+              <a:solidFill>
+                <a:srgbClr val="FF0000"/>
+              </a:solidFill>
+            </a:endParaRPr>
           </a:p>
           <a:p>
             <a:pPr algn="l">
@@ -9611,6 +9724,12 @@
               </a:rPr>
               <a:t>）</a:t>
             </a:r>
+            <a:endParaRPr lang="zh-CN" altLang="en-US" sz="2800" b="1">
+              <a:solidFill>
+                <a:schemeClr val="tx1"/>
+              </a:solidFill>
+              <a:sym typeface="+mn-ea"/>
+            </a:endParaRPr>
           </a:p>
           <a:p>
             <a:pPr algn="l">
@@ -9980,15 +10099,6 @@
               </a:rPr>
               <a:t>的提出</a:t>
             </a:r>
-            <a:r>
-              <a:rPr lang="en-US" altLang="zh-CN" sz="2000">
-                <a:solidFill>
-                  <a:schemeClr val="tx1"/>
-                </a:solidFill>
-                <a:sym typeface="+mn-ea"/>
-              </a:rPr>
-              <a:t/>
-            </a:r>
             <a:br>
               <a:rPr lang="en-US" altLang="zh-CN" sz="2000">
                 <a:solidFill>
@@ -10004,16 +10114,52 @@
                 </a:solidFill>
                 <a:sym typeface="+mn-ea"/>
               </a:rPr>
-              <a:t>- ES5的对象属性名都是字符串，这容易造成属性名的冲突</a:t>
-            </a:r>
-            <a:r>
-              <a:rPr lang="zh-CN" sz="2000">
-                <a:solidFill>
-                  <a:schemeClr val="tx1"/>
-                </a:solidFill>
-                <a:sym typeface="+mn-ea"/>
-              </a:rPr>
-              <a:t/>
+              <a:t>- ES5的对象属性名都是字符串，这</a:t>
+            </a:r>
+            <a:r>
+              <a:rPr lang="en-US" altLang="zh-CN" sz="2000">
+                <a:solidFill>
+                  <a:schemeClr val="accent3"/>
+                </a:solidFill>
+                <a:sym typeface="+mn-ea"/>
+              </a:rPr>
+              <a:t>容易造成</a:t>
+            </a:r>
+            <a:r>
+              <a:rPr lang="en-US" altLang="zh-CN" sz="2000">
+                <a:solidFill>
+                  <a:srgbClr val="FF0000"/>
+                </a:solidFill>
+                <a:sym typeface="+mn-ea"/>
+              </a:rPr>
+              <a:t>属性名的冲突</a:t>
+            </a:r>
+            <a:r>
+              <a:rPr lang="zh-CN" altLang="en-US" sz="2000">
+                <a:solidFill>
+                  <a:schemeClr val="tx1"/>
+                </a:solidFill>
+                <a:sym typeface="+mn-ea"/>
+              </a:rPr>
+              <a:t>（参见</a:t>
+            </a:r>
+            <a:r>
+              <a:rPr lang="en-US" altLang="zh-CN" sz="2000">
+                <a:solidFill>
+                  <a:schemeClr val="tx1"/>
+                </a:solidFill>
+                <a:sym typeface="+mn-ea"/>
+              </a:rPr>
+              <a:t>Demo11</a:t>
+            </a:r>
+            <a:r>
+              <a:rPr lang="zh-CN" altLang="en-US" sz="2000">
+                <a:solidFill>
+                  <a:schemeClr val="tx1"/>
+                </a:solidFill>
+                <a:sym typeface="+mn-ea"/>
+              </a:rPr>
+              <a:t>中属性名冲突案例）</a:t>
             </a:r>
             <a:br>
               <a:rPr lang="zh-CN" sz="2000">
@@ -10035,11 +10181,29 @@
             <a:r>
               <a:rPr lang="zh-CN" altLang="en-US" sz="2000">
                 <a:solidFill>
-                  <a:schemeClr val="accent3"/>
-                </a:solidFill>
-                <a:sym typeface="+mn-ea"/>
-              </a:rPr>
-              <a:t/>
+                  <a:schemeClr val="tx1"/>
+                </a:solidFill>
+                <a:sym typeface="+mn-ea"/>
+              </a:rPr>
+              <a:t>，通过</a:t>
+            </a:r>
+            <a:r>
+              <a:rPr lang="en-US" altLang="zh-CN" sz="2000">
+                <a:solidFill>
+                  <a:schemeClr val="tx1"/>
+                </a:solidFill>
+                <a:sym typeface="+mn-ea"/>
+              </a:rPr>
+              <a:t>Symbol</a:t>
+            </a:r>
+            <a:r>
+              <a:rPr lang="zh-CN" altLang="en-US" sz="2000">
+                <a:solidFill>
+                  <a:schemeClr val="tx1"/>
+                </a:solidFill>
+                <a:sym typeface="+mn-ea"/>
+              </a:rPr>
+              <a:t>函数生成</a:t>
             </a:r>
             <a:br>
               <a:rPr lang="zh-CN" altLang="en-US" sz="2000">
@@ -10083,7 +10247,7 @@
                 </a:solidFill>
                 <a:sym typeface="+mn-ea"/>
               </a:rPr>
-              <a:t>（不是对象），Symbol函数前</a:t>
+              <a:t>（不是对象），Symbol前</a:t>
             </a:r>
             <a:r>
               <a:rPr lang="zh-CN" altLang="en-US" sz="2000">
@@ -10120,6 +10284,12 @@
               </a:rPr>
               <a:t>，主要用于区分变量</a:t>
             </a:r>
+            <a:endParaRPr lang="zh-CN" altLang="en-US" sz="2000">
+              <a:solidFill>
+                <a:schemeClr val="tx1"/>
+              </a:solidFill>
+              <a:sym typeface="+mn-ea"/>
+            </a:endParaRPr>
           </a:p>
           <a:p>
             <a:pPr eaLnBrk="1" hangingPunct="1">
@@ -10175,6 +10345,7 @@
               <a:rPr kumimoji="0" lang="en-US" altLang="zh-CN" dirty="0"/>
               <a:t>Symbol</a:t>
             </a:r>
+            <a:endParaRPr kumimoji="0" lang="en-US" altLang="zh-CN" dirty="0"/>
           </a:p>
         </p:txBody>
       </p:sp>
@@ -10241,6 +10412,13 @@
               </a:rPr>
               <a:t>实例</a:t>
             </a:r>
+            <a:endParaRPr lang="zh-CN" altLang="en-US" sz="2200">
+              <a:solidFill>
+                <a:srgbClr val="FF0000"/>
+              </a:solidFill>
+              <a:latin typeface="+mn-ea"/>
+              <a:ea typeface="+mn-ea"/>
+            </a:endParaRPr>
           </a:p>
         </p:txBody>
       </p:sp>
@@ -10253,7 +10431,7 @@
           <p:nvPr/>
         </p:nvPicPr>
         <p:blipFill>
-          <a:blip r:embed="rId3"/>
+          <a:blip r:embed="rId1"/>
           <a:stretch>
             <a:fillRect/>
           </a:stretch>
@@ -10663,15 +10841,6 @@
               </a:rPr>
               <a:t>的特点</a:t>
             </a:r>
-            <a:r>
-              <a:rPr lang="en-US" altLang="zh-CN" sz="2000">
-                <a:solidFill>
-                  <a:schemeClr val="tx1"/>
-                </a:solidFill>
-                <a:sym typeface="+mn-ea"/>
-              </a:rPr>
-              <a:t/>
-            </a:r>
             <a:br>
               <a:rPr lang="en-US" altLang="zh-CN" sz="2000">
                 <a:solidFill>
@@ -10724,6 +10893,12 @@
               </a:rPr>
               <a:t>变量不能与其他值进行运算，但可转换成字符串类型</a:t>
             </a:r>
+            <a:endParaRPr lang="zh-CN" altLang="en-US" sz="2000">
+              <a:solidFill>
+                <a:schemeClr val="tx1"/>
+              </a:solidFill>
+              <a:sym typeface="+mn-ea"/>
+            </a:endParaRPr>
           </a:p>
           <a:p>
             <a:pPr eaLnBrk="1" hangingPunct="1">
@@ -10779,6 +10954,7 @@
               <a:rPr kumimoji="0" lang="en-US" altLang="zh-CN" dirty="0"/>
               <a:t>Symbol</a:t>
             </a:r>
+            <a:endParaRPr kumimoji="0" lang="en-US" altLang="zh-CN" dirty="0"/>
           </a:p>
         </p:txBody>
       </p:sp>
@@ -10866,6 +11042,13 @@
               </a:rPr>
               <a:t>实例</a:t>
             </a:r>
+            <a:endParaRPr lang="zh-CN" altLang="en-US" sz="2200">
+              <a:solidFill>
+                <a:srgbClr val="FF0000"/>
+              </a:solidFill>
+              <a:latin typeface="+mn-ea"/>
+              <a:ea typeface="+mn-ea"/>
+            </a:endParaRPr>
           </a:p>
         </p:txBody>
       </p:sp>
@@ -10878,7 +11061,7 @@
           <p:nvPr/>
         </p:nvPicPr>
         <p:blipFill>
-          <a:blip r:embed="rId3"/>
+          <a:blip r:embed="rId1"/>
           <a:stretch>
             <a:fillRect/>
           </a:stretch>
@@ -10902,7 +11085,7 @@
           <p:nvPr/>
         </p:nvPicPr>
         <p:blipFill>
-          <a:blip r:embed="rId4"/>
+          <a:blip r:embed="rId2"/>
           <a:stretch>
             <a:fillRect/>
           </a:stretch>
@@ -10926,7 +11109,7 @@
           <p:nvPr/>
         </p:nvPicPr>
         <p:blipFill>
-          <a:blip r:embed="rId5"/>
+          <a:blip r:embed="rId3"/>
           <a:stretch>
             <a:fillRect/>
           </a:stretch>
@@ -11509,15 +11692,6 @@
               </a:rPr>
               <a:t>Symbol</a:t>
             </a:r>
-            <a:r>
-              <a:rPr lang="en-US" altLang="zh-CN" sz="2000">
-                <a:solidFill>
-                  <a:schemeClr val="tx1"/>
-                </a:solidFill>
-                <a:sym typeface="+mn-ea"/>
-              </a:rPr>
-              <a:t/>
-            </a:r>
             <a:br>
               <a:rPr lang="en-US" altLang="zh-CN" sz="2000">
                 <a:solidFill>
@@ -11550,7 +11724,25 @@
                 </a:solidFill>
                 <a:sym typeface="+mn-ea"/>
               </a:rPr>
-              <a:t>  名，就能保证不会出现同名的属性。这对于一个对象由多个模块构成的情况非常有用，能防</a:t>
+              <a:t>  名，就能保证不会出现同名的属性。</a:t>
+            </a:r>
+            <a:r>
+              <a:rPr lang="en-US" altLang="zh-CN" sz="2000">
+                <a:solidFill>
+                  <a:srgbClr val="FF0000"/>
+                </a:solidFill>
+                <a:sym typeface="+mn-ea"/>
+              </a:rPr>
+              <a:t>这对于一个对象由多个模块构成的情况非常有用</a:t>
+            </a:r>
+            <a:r>
+              <a:rPr lang="en-US" altLang="zh-CN" sz="2000">
+                <a:solidFill>
+                  <a:schemeClr val="tx1"/>
+                </a:solidFill>
+                <a:sym typeface="+mn-ea"/>
+              </a:rPr>
+              <a:t>，能防</a:t>
             </a:r>
             <a:br>
               <a:rPr lang="en-US" altLang="zh-CN" sz="2000">
@@ -11576,8 +11768,14 @@
                 </a:solidFill>
                 <a:sym typeface="+mn-ea"/>
               </a:rPr>
-              <a:t>，最为对象属性的具体形式如下</a:t>
-            </a:r>
+              <a:t>，作为对象属性的具体形式如下</a:t>
+            </a:r>
+            <a:endParaRPr lang="zh-CN" altLang="en-US" sz="2000">
+              <a:solidFill>
+                <a:schemeClr val="tx1"/>
+              </a:solidFill>
+              <a:sym typeface="+mn-ea"/>
+            </a:endParaRPr>
           </a:p>
           <a:p>
             <a:pPr eaLnBrk="1" hangingPunct="1">
@@ -11633,6 +11831,7 @@
               <a:rPr kumimoji="0" lang="en-US" altLang="zh-CN" dirty="0"/>
               <a:t>Symbol</a:t>
             </a:r>
+            <a:endParaRPr kumimoji="0" lang="en-US" altLang="zh-CN" dirty="0"/>
           </a:p>
         </p:txBody>
       </p:sp>
@@ -11720,6 +11919,13 @@
               </a:rPr>
               <a:t>实例</a:t>
             </a:r>
+            <a:endParaRPr lang="zh-CN" altLang="en-US" sz="2200">
+              <a:solidFill>
+                <a:srgbClr val="FF0000"/>
+              </a:solidFill>
+              <a:latin typeface="+mn-ea"/>
+              <a:ea typeface="+mn-ea"/>
+            </a:endParaRPr>
           </a:p>
         </p:txBody>
       </p:sp>
@@ -11732,7 +11938,7 @@
           <p:nvPr/>
         </p:nvPicPr>
         <p:blipFill>
-          <a:blip r:embed="rId3"/>
+          <a:blip r:embed="rId1"/>
           <a:stretch>
             <a:fillRect/>
           </a:stretch>
@@ -12150,15 +12356,6 @@
               </a:rPr>
               <a:t>（注意访问属性的方法）</a:t>
             </a:r>
-            <a:r>
-              <a:rPr lang="en-US" altLang="zh-CN" sz="2000">
-                <a:solidFill>
-                  <a:schemeClr val="tx1"/>
-                </a:solidFill>
-                <a:sym typeface="+mn-ea"/>
-              </a:rPr>
-              <a:t/>
-            </a:r>
             <a:br>
               <a:rPr lang="en-US" altLang="zh-CN" sz="2000">
                 <a:solidFill>
@@ -12295,6 +12492,12 @@
               </a:rPr>
               <a:t>使用Symbol值定义属性时，Symbol值须放在方括号之中</a:t>
             </a:r>
+            <a:endParaRPr lang="zh-CN" altLang="en-US" sz="3200">
+              <a:solidFill>
+                <a:schemeClr val="tx1"/>
+              </a:solidFill>
+              <a:sym typeface="+mn-ea"/>
+            </a:endParaRPr>
           </a:p>
           <a:p>
             <a:pPr eaLnBrk="1" hangingPunct="1">
@@ -12350,6 +12553,7 @@
               <a:rPr kumimoji="0" lang="en-US" altLang="zh-CN" dirty="0"/>
               <a:t>Symbol</a:t>
             </a:r>
+            <a:endParaRPr kumimoji="0" lang="en-US" altLang="zh-CN" dirty="0"/>
           </a:p>
         </p:txBody>
       </p:sp>
@@ -12437,6 +12641,13 @@
               </a:rPr>
               <a:t>实例</a:t>
             </a:r>
+            <a:endParaRPr lang="zh-CN" altLang="en-US" sz="2200">
+              <a:solidFill>
+                <a:srgbClr val="FF0000"/>
+              </a:solidFill>
+              <a:latin typeface="+mn-ea"/>
+              <a:ea typeface="+mn-ea"/>
+            </a:endParaRPr>
           </a:p>
         </p:txBody>
       </p:sp>
@@ -12449,7 +12660,7 @@
           <p:nvPr/>
         </p:nvPicPr>
         <p:blipFill>
-          <a:blip r:embed="rId3"/>
+          <a:blip r:embed="rId1"/>
           <a:stretch>
             <a:fillRect/>
           </a:stretch>
@@ -12473,7 +12684,7 @@
           <p:nvPr/>
         </p:nvPicPr>
         <p:blipFill>
-          <a:blip r:embed="rId4"/>
+          <a:blip r:embed="rId2"/>
           <a:stretch>
             <a:fillRect/>
           </a:stretch>
@@ -13067,15 +13278,6 @@
               </a:rPr>
               <a:t>的遍历特性</a:t>
             </a:r>
-            <a:r>
-              <a:rPr lang="en-US" altLang="zh-CN" sz="2000">
-                <a:solidFill>
-                  <a:schemeClr val="tx1"/>
-                </a:solidFill>
-                <a:sym typeface="+mn-ea"/>
-              </a:rPr>
-              <a:t/>
-            </a:r>
             <a:br>
               <a:rPr lang="en-US" altLang="zh-CN" sz="2000">
                 <a:solidFill>
@@ -13163,6 +13365,12 @@
               </a:rPr>
               <a:t>Object.getOwnPropertySymbols方法，可以获取指定对象的所有Symbol属性名</a:t>
             </a:r>
+            <a:endParaRPr lang="en-US" altLang="zh-CN" sz="2000">
+              <a:solidFill>
+                <a:schemeClr val="tx1"/>
+              </a:solidFill>
+              <a:sym typeface="+mn-ea"/>
+            </a:endParaRPr>
           </a:p>
           <a:p>
             <a:pPr eaLnBrk="1" hangingPunct="1">
@@ -13218,6 +13426,7 @@
               <a:rPr kumimoji="0" lang="en-US" altLang="zh-CN" dirty="0"/>
               <a:t>Symbol</a:t>
             </a:r>
+            <a:endParaRPr kumimoji="0" lang="en-US" altLang="zh-CN" dirty="0"/>
           </a:p>
         </p:txBody>
       </p:sp>
@@ -13305,6 +13514,13 @@
               </a:rPr>
               <a:t>实例</a:t>
             </a:r>
+            <a:endParaRPr lang="zh-CN" altLang="en-US" sz="2200">
+              <a:solidFill>
+                <a:srgbClr val="FF0000"/>
+              </a:solidFill>
+              <a:latin typeface="+mn-ea"/>
+              <a:ea typeface="+mn-ea"/>
+            </a:endParaRPr>
           </a:p>
         </p:txBody>
       </p:sp>
@@ -13317,7 +13533,7 @@
           <p:nvPr/>
         </p:nvPicPr>
         <p:blipFill>
-          <a:blip r:embed="rId3"/>
+          <a:blip r:embed="rId1"/>
           <a:stretch>
             <a:fillRect/>
           </a:stretch>
@@ -13735,15 +13951,6 @@
               </a:rPr>
               <a:t>变量复用相关的静态方法</a:t>
             </a:r>
-            <a:r>
-              <a:rPr lang="en-US" altLang="zh-CN" sz="2000">
-                <a:solidFill>
-                  <a:schemeClr val="tx1"/>
-                </a:solidFill>
-                <a:sym typeface="+mn-ea"/>
-              </a:rPr>
-              <a:t/>
-            </a:r>
             <a:br>
               <a:rPr lang="en-US" altLang="zh-CN" sz="2000">
                 <a:solidFill>
@@ -13822,6 +14029,12 @@
               </a:rPr>
               <a:t>，字符串类型</a:t>
             </a:r>
+            <a:endParaRPr lang="zh-CN" altLang="en-US" sz="2000">
+              <a:solidFill>
+                <a:schemeClr val="tx1"/>
+              </a:solidFill>
+              <a:sym typeface="+mn-ea"/>
+            </a:endParaRPr>
           </a:p>
           <a:p>
             <a:pPr eaLnBrk="1" hangingPunct="1">
@@ -13877,6 +14090,7 @@
               <a:rPr kumimoji="0" lang="en-US" altLang="zh-CN" dirty="0"/>
               <a:t>Symbol</a:t>
             </a:r>
+            <a:endParaRPr kumimoji="0" lang="en-US" altLang="zh-CN" dirty="0"/>
           </a:p>
         </p:txBody>
       </p:sp>
@@ -13964,6 +14178,13 @@
               </a:rPr>
               <a:t>实例</a:t>
             </a:r>
+            <a:endParaRPr lang="zh-CN" altLang="en-US" sz="2200">
+              <a:solidFill>
+                <a:srgbClr val="FF0000"/>
+              </a:solidFill>
+              <a:latin typeface="+mn-ea"/>
+              <a:ea typeface="+mn-ea"/>
+            </a:endParaRPr>
           </a:p>
         </p:txBody>
       </p:sp>
@@ -13976,7 +14197,7 @@
           <p:nvPr/>
         </p:nvPicPr>
         <p:blipFill>
-          <a:blip r:embed="rId3"/>
+          <a:blip r:embed="rId1"/>
           <a:stretch>
             <a:fillRect/>
           </a:stretch>
@@ -14511,6 +14732,11 @@
               </a:rPr>
               <a:t>）</a:t>
             </a:r>
+            <a:endParaRPr lang="zh-CN" altLang="en-US" sz="2800" b="1">
+              <a:solidFill>
+                <a:schemeClr val="tx1"/>
+              </a:solidFill>
+            </a:endParaRPr>
           </a:p>
           <a:p>
             <a:pPr algn="l">
@@ -14556,6 +14782,12 @@
               </a:rPr>
               <a:t>）</a:t>
             </a:r>
+            <a:endParaRPr lang="zh-CN" altLang="en-US" sz="2800" b="1">
+              <a:solidFill>
+                <a:srgbClr val="FF0000"/>
+              </a:solidFill>
+              <a:sym typeface="+mn-ea"/>
+            </a:endParaRPr>
           </a:p>
           <a:p>
             <a:pPr algn="l">
@@ -15163,10 +15395,9 @@
       </a:lstStyle>
     </a:lnDef>
   </a:objectDefaults>
-  <a:extraClrSchemeLst/>
   <a:extLst>
     <a:ext uri="{05A4C25C-085E-4340-85A3-A5531E510DB2}">
-      <thm15:themeFamily xmlns="" xmlns:thm15="http://schemas.microsoft.com/office/thememl/2012/main" name="Office Theme" id="{62F939B6-93AF-4DB8-9C6B-D6C7DFDC589F}" vid="{4A3C46E8-61CC-4603-A589-7422A47A8E4A}"/>
+      <thm15:themeFamily xmlns:thm15="http://schemas.microsoft.com/office/thememl/2012/main" name="Office Theme" id="{62F939B6-93AF-4DB8-9C6B-D6C7DFDC589F}" vid="{4A3C46E8-61CC-4603-A589-7422A47A8E4A}"/>
     </a:ext>
   </a:extLst>
 </a:theme>
@@ -15450,11 +15681,9 @@
       </a:bgFillStyleLst>
     </a:fmtScheme>
   </a:themeElements>
-  <a:objectDefaults/>
-  <a:extraClrSchemeLst/>
   <a:extLst>
     <a:ext uri="{05A4C25C-085E-4340-85A3-A5531E510DB2}">
-      <thm15:themeFamily xmlns="" xmlns:thm15="http://schemas.microsoft.com/office/thememl/2012/main" name="Office Theme" id="{62F939B6-93AF-4DB8-9C6B-D6C7DFDC589F}" vid="{4A3C46E8-61CC-4603-A589-7422A47A8E4A}"/>
+      <thm15:themeFamily xmlns:thm15="http://schemas.microsoft.com/office/thememl/2012/main" name="Office Theme" id="{62F939B6-93AF-4DB8-9C6B-D6C7DFDC589F}" vid="{4A3C46E8-61CC-4603-A589-7422A47A8E4A}"/>
     </a:ext>
   </a:extLst>
 </a:theme>
